--- a/ChrisND.pptx
+++ b/ChrisND.pptx
@@ -10,6 +10,7 @@
     <p:sldId id="258" r:id="rId9"/>
     <p:sldId id="259" r:id="rId10"/>
     <p:sldId id="260" r:id="rId11"/>
+    <p:sldId id="261" r:id="rId12"/>
   </p:sldIdLst>
   <p:sldSz cx="9144000" cy="6858000" type="screen4x3"/>
   <p:notesSz cx="6858000" cy="9144000"/>
@@ -3108,7 +3109,7 @@
           <a:lstStyle/>
           <a:p>
             <a:r>
-              <a:t>Hello, World!</a:t>
+              <a:t>Food Culture English</a:t>
             </a:r>
           </a:p>
         </p:txBody>
@@ -3129,7 +3130,7 @@
           <a:lstStyle/>
           <a:p>
             <a:r>
-              <a:t>python-pptx was here!</a:t>
+              <a:t>National Dish Presention by Chris</a:t>
             </a:r>
           </a:p>
         </p:txBody>
@@ -3253,12 +3254,12 @@
       </p:sp>
       <p:sp>
         <p:nvSpPr>
-          <p:cNvPr id="3" name="Text Placeholder 2"/>
-          <p:cNvSpPr>
-            <a:spLocks noGrp="1"/>
-          </p:cNvSpPr>
-          <p:nvPr>
-            <p:ph type="body" idx="1"/>
+          <p:cNvPr id="3" name="Content Placeholder 2"/>
+          <p:cNvSpPr>
+            <a:spLocks noGrp="1"/>
+          </p:cNvSpPr>
+          <p:nvPr>
+            <p:ph idx="1"/>
           </p:nvPr>
         </p:nvSpPr>
         <p:spPr/>
@@ -3336,7 +3337,7 @@
             <a:spLocks noGrp="1"/>
           </p:cNvSpPr>
           <p:nvPr>
-            <p:ph idx="1" sz="half"/>
+            <p:ph idx="1"/>
           </p:nvPr>
         </p:nvSpPr>
         <p:spPr/>
@@ -3366,23 +3367,6 @@
               <a:t>test 17869</a:t>
             </a:r>
           </a:p>
-        </p:txBody>
-      </p:sp>
-      <p:sp>
-        <p:nvSpPr>
-          <p:cNvPr id="4" name="Content Placeholder 3"/>
-          <p:cNvSpPr>
-            <a:spLocks noGrp="1"/>
-          </p:cNvSpPr>
-          <p:nvPr>
-            <p:ph idx="2" sz="half"/>
-          </p:nvPr>
-        </p:nvSpPr>
-        <p:spPr/>
-        <p:txBody>
-          <a:bodyPr/>
-          <a:lstStyle/>
-          <a:p/>
         </p:txBody>
       </p:sp>
     </p:spTree>
@@ -3426,12 +3410,12 @@
       </p:sp>
       <p:sp>
         <p:nvSpPr>
-          <p:cNvPr id="3" name="Text Placeholder 2"/>
-          <p:cNvSpPr>
-            <a:spLocks noGrp="1"/>
-          </p:cNvSpPr>
-          <p:nvPr>
-            <p:ph type="body" idx="1"/>
+          <p:cNvPr id="3" name="Content Placeholder 2"/>
+          <p:cNvSpPr>
+            <a:spLocks noGrp="1"/>
+          </p:cNvSpPr>
+          <p:nvPr>
+            <p:ph idx="1"/>
           </p:nvPr>
         </p:nvSpPr>
         <p:spPr/>
@@ -3463,48 +3447,53 @@
           </a:p>
         </p:txBody>
       </p:sp>
-      <p:sp>
-        <p:nvSpPr>
-          <p:cNvPr id="4" name="Content Placeholder 3"/>
-          <p:cNvSpPr>
-            <a:spLocks noGrp="1"/>
-          </p:cNvSpPr>
-          <p:nvPr>
-            <p:ph idx="2" sz="half"/>
-          </p:nvPr>
-        </p:nvSpPr>
-        <p:spPr/>
-        <p:txBody>
-          <a:bodyPr/>
-          <a:lstStyle/>
-          <a:p/>
-        </p:txBody>
-      </p:sp>
-      <p:sp>
-        <p:nvSpPr>
-          <p:cNvPr id="5" name="Text Placeholder 4"/>
-          <p:cNvSpPr>
-            <a:spLocks noGrp="1"/>
-          </p:cNvSpPr>
-          <p:nvPr>
-            <p:ph type="body" idx="3" sz="quarter"/>
-          </p:nvPr>
-        </p:nvSpPr>
-        <p:spPr/>
-        <p:txBody>
-          <a:bodyPr/>
-          <a:lstStyle/>
-          <a:p/>
-        </p:txBody>
-      </p:sp>
-      <p:sp>
-        <p:nvSpPr>
-          <p:cNvPr id="6" name="Content Placeholder 5"/>
-          <p:cNvSpPr>
-            <a:spLocks noGrp="1"/>
-          </p:cNvSpPr>
-          <p:nvPr>
-            <p:ph idx="4" sz="quarter"/>
+    </p:spTree>
+  </p:cSld>
+  <p:clrMapOvr>
+    <a:masterClrMapping/>
+  </p:clrMapOvr>
+</p:sld>
+</file>
+
+<file path=ppt/slides/slide6.xml><?xml version="1.0" encoding="utf-8"?>
+<p:sld xmlns:a="http://schemas.openxmlformats.org/drawingml/2006/main" xmlns:p="http://schemas.openxmlformats.org/presentationml/2006/main" xmlns:r="http://schemas.openxmlformats.org/officeDocument/2006/relationships">
+  <p:cSld>
+    <p:spTree>
+      <p:nvGrpSpPr>
+        <p:cNvPr id="1" name=""/>
+        <p:cNvGrpSpPr/>
+        <p:nvPr/>
+      </p:nvGrpSpPr>
+      <p:grpSpPr/>
+      <p:sp>
+        <p:nvSpPr>
+          <p:cNvPr id="2" name="Title 1"/>
+          <p:cNvSpPr>
+            <a:spLocks noGrp="1"/>
+          </p:cNvSpPr>
+          <p:nvPr>
+            <p:ph type="title"/>
+          </p:nvPr>
+        </p:nvSpPr>
+        <p:spPr/>
+        <p:txBody>
+          <a:bodyPr/>
+          <a:lstStyle/>
+          <a:p>
+            <a:r>
+              <a:t>Final Comment</a:t>
+            </a:r>
+          </a:p>
+        </p:txBody>
+      </p:sp>
+      <p:sp>
+        <p:nvSpPr>
+          <p:cNvPr id="3" name="Content Placeholder 2"/>
+          <p:cNvSpPr>
+            <a:spLocks noGrp="1"/>
+          </p:cNvSpPr>
+          <p:nvPr>
+            <p:ph idx="1"/>
           </p:nvPr>
         </p:nvSpPr>
         <p:spPr/>
